--- a/presentacion/slides.pptx
+++ b/presentacion/slides.pptx
@@ -9718,6 +9718,256 @@
   <p:clrMapOvr>
     <a:masterClrMapping/>
   </p:clrMapOvr>
+</p:sld>
+</file>
+
+<file path=ppt/slides/slide11.xml><?xml version="1.0" encoding="utf-8"?>
+<p:sld xmlns:a="http://schemas.openxmlformats.org/drawingml/2006/main" xmlns:r="http://schemas.openxmlformats.org/officeDocument/2006/relationships" xmlns:p="http://schemas.openxmlformats.org/presentationml/2006/main">
+  <p:cSld>
+    <p:spTree>
+      <p:nvGrpSpPr>
+        <p:cNvPr id="1" name=""/>
+        <p:cNvGrpSpPr/>
+        <p:nvPr/>
+      </p:nvGrpSpPr>
+      <p:grpSpPr>
+        <a:xfrm>
+          <a:off x="0" y="0"/>
+          <a:ext cx="0" cy="0"/>
+          <a:chOff x="0" y="0"/>
+          <a:chExt cx="0" cy="0"/>
+        </a:xfrm>
+      </p:grpSpPr>
+      <p:sp>
+        <p:nvSpPr>
+          <p:cNvPr id="3" name="Título 2">
+            <a:extLst>
+              <a:ext uri="{FF2B5EF4-FFF2-40B4-BE49-F238E27FC236}">
+                <a16:creationId xmlns:a16="http://schemas.microsoft.com/office/drawing/2014/main" id="{BFF67D6C-A177-8AD1-863F-DF6F8B6383D0}"/>
+              </a:ext>
+            </a:extLst>
+          </p:cNvPr>
+          <p:cNvSpPr>
+            <a:spLocks noGrp="1"/>
+          </p:cNvSpPr>
+          <p:nvPr>
+            <p:ph type="title"/>
+          </p:nvPr>
+        </p:nvSpPr>
+        <p:spPr/>
+        <p:txBody>
+          <a:bodyPr>
+            <a:normAutofit fontScale="90000"/>
+          </a:bodyPr>
+          <a:lstStyle/>
+          <a:p>
+            <a:r>
+              <a:rPr lang="es-ES" dirty="0"/>
+              <a:t>A-</a:t>
+            </a:r>
+            <a:r>
+              <a:rPr lang="es-ES" dirty="0" err="1"/>
+              <a:t>Frame</a:t>
+            </a:r>
+            <a:r>
+              <a:rPr lang="es-ES" dirty="0"/>
+              <a:t> y Three.js</a:t>
+            </a:r>
+          </a:p>
+        </p:txBody>
+      </p:sp>
+      <p:sp>
+        <p:nvSpPr>
+          <p:cNvPr id="7" name="Marcador de texto 6">
+            <a:extLst>
+              <a:ext uri="{FF2B5EF4-FFF2-40B4-BE49-F238E27FC236}">
+                <a16:creationId xmlns:a16="http://schemas.microsoft.com/office/drawing/2014/main" id="{10326BBE-8416-C08F-02FE-4E7198375479}"/>
+              </a:ext>
+            </a:extLst>
+          </p:cNvPr>
+          <p:cNvSpPr>
+            <a:spLocks noGrp="1"/>
+          </p:cNvSpPr>
+          <p:nvPr>
+            <p:ph type="body" sz="quarter" idx="16"/>
+          </p:nvPr>
+        </p:nvSpPr>
+        <p:spPr>
+          <a:xfrm>
+            <a:off x="1422400" y="6408077"/>
+            <a:ext cx="5521862" cy="184666"/>
+          </a:xfrm>
+        </p:spPr>
+        <p:txBody>
+          <a:bodyPr/>
+          <a:lstStyle/>
+          <a:p>
+            <a:r>
+              <a:rPr lang="es-ES" dirty="0"/>
+              <a:t>ESCUELA DE INGENIERÍA DE FUENLABRADA</a:t>
+            </a:r>
+          </a:p>
+        </p:txBody>
+      </p:sp>
+      <p:pic>
+        <p:nvPicPr>
+          <p:cNvPr id="2" name="Imagen 1" descr="Imagen que contiene lego&#10;&#10;Descripción generada automáticamente">
+            <a:extLst>
+              <a:ext uri="{FF2B5EF4-FFF2-40B4-BE49-F238E27FC236}">
+                <a16:creationId xmlns:a16="http://schemas.microsoft.com/office/drawing/2014/main" id="{A5663457-5226-B883-3B68-9DA902E7F9CF}"/>
+              </a:ext>
+            </a:extLst>
+          </p:cNvPr>
+          <p:cNvPicPr>
+            <a:picLocks noChangeAspect="1"/>
+          </p:cNvPicPr>
+          <p:nvPr/>
+        </p:nvPicPr>
+        <p:blipFill>
+          <a:blip r:embed="rId2"/>
+          <a:stretch>
+            <a:fillRect/>
+          </a:stretch>
+        </p:blipFill>
+        <p:spPr>
+          <a:xfrm flipH="1">
+            <a:off x="5937917" y="402665"/>
+            <a:ext cx="866607" cy="772086"/>
+          </a:xfrm>
+          <a:prstGeom prst="rect">
+            <a:avLst/>
+          </a:prstGeom>
+        </p:spPr>
+      </p:pic>
+      <p:pic>
+        <p:nvPicPr>
+          <p:cNvPr id="4" name="Imagen 3" descr="Imagen que contiene Forma&#10;&#10;Descripción generada automáticamente">
+            <a:extLst>
+              <a:ext uri="{FF2B5EF4-FFF2-40B4-BE49-F238E27FC236}">
+                <a16:creationId xmlns:a16="http://schemas.microsoft.com/office/drawing/2014/main" id="{049AFD1A-4ADC-A742-5B59-19773A4C7561}"/>
+              </a:ext>
+            </a:extLst>
+          </p:cNvPr>
+          <p:cNvPicPr>
+            <a:picLocks noChangeAspect="1"/>
+          </p:cNvPicPr>
+          <p:nvPr/>
+        </p:nvPicPr>
+        <p:blipFill>
+          <a:blip r:embed="rId3"/>
+          <a:stretch>
+            <a:fillRect/>
+          </a:stretch>
+        </p:blipFill>
+        <p:spPr>
+          <a:xfrm>
+            <a:off x="6944261" y="402665"/>
+            <a:ext cx="1510217" cy="772086"/>
+          </a:xfrm>
+          <a:prstGeom prst="rect">
+            <a:avLst/>
+          </a:prstGeom>
+        </p:spPr>
+      </p:pic>
+      <p:sp>
+        <p:nvSpPr>
+          <p:cNvPr id="6" name="CuadroTexto 5">
+            <a:extLst>
+              <a:ext uri="{FF2B5EF4-FFF2-40B4-BE49-F238E27FC236}">
+                <a16:creationId xmlns:a16="http://schemas.microsoft.com/office/drawing/2014/main" id="{4851D04E-478A-E4DB-9A04-371082AE4966}"/>
+              </a:ext>
+            </a:extLst>
+          </p:cNvPr>
+          <p:cNvSpPr txBox="1"/>
+          <p:nvPr/>
+        </p:nvSpPr>
+        <p:spPr>
+          <a:xfrm>
+            <a:off x="1422400" y="1493520"/>
+            <a:ext cx="9946640" cy="3365024"/>
+          </a:xfrm>
+          <a:prstGeom prst="rect">
+            <a:avLst/>
+          </a:prstGeom>
+          <a:noFill/>
+        </p:spPr>
+        <p:txBody>
+          <a:bodyPr wrap="square" rtlCol="0">
+            <a:spAutoFit/>
+          </a:bodyPr>
+          <a:lstStyle/>
+          <a:p>
+            <a:pPr marL="285750" indent="-285750">
+              <a:lnSpc>
+                <a:spcPct val="150000"/>
+              </a:lnSpc>
+              <a:buFont typeface="Arial" panose="020B0604020202020204" pitchFamily="34" charset="0"/>
+              <a:buChar char="•"/>
+            </a:pPr>
+            <a:r>
+              <a:rPr lang="es-ES" dirty="0"/>
+              <a:t>Utiliza el patrón entidad componente, donde las entidades representan los objetos en la escena y, los componentes son bloques de funcionalidad que se agregan a las entidades para definir su comportamiento, apariencia o interacción</a:t>
+            </a:r>
+          </a:p>
+          <a:p>
+            <a:pPr marL="285750" indent="-285750">
+              <a:lnSpc>
+                <a:spcPct val="150000"/>
+              </a:lnSpc>
+              <a:buFont typeface="Arial" panose="020B0604020202020204" pitchFamily="34" charset="0"/>
+              <a:buChar char="•"/>
+            </a:pPr>
+            <a:r>
+              <a:rPr lang="es-ES" dirty="0"/>
+              <a:t>Utiliza las etiquetas personalizadas de HTML5 para inicializar entidades y componentes de manera sencilla, sin la necesidad de escribir código JavaScript</a:t>
+            </a:r>
+          </a:p>
+          <a:p>
+            <a:pPr marL="285750" indent="-285750">
+              <a:lnSpc>
+                <a:spcPct val="150000"/>
+              </a:lnSpc>
+              <a:buFont typeface="Arial" panose="020B0604020202020204" pitchFamily="34" charset="0"/>
+              <a:buChar char="•"/>
+            </a:pPr>
+            <a:r>
+              <a:rPr lang="es-ES" dirty="0"/>
+              <a:t>A través de estas etiquetas personalizadas de HTML, A-</a:t>
+            </a:r>
+            <a:r>
+              <a:rPr lang="es-ES" dirty="0" err="1"/>
+              <a:t>Frame</a:t>
+            </a:r>
+            <a:r>
+              <a:rPr lang="es-ES" dirty="0"/>
+              <a:t> encapsula y simplifica el uso de Three.js</a:t>
+            </a:r>
+          </a:p>
+          <a:p>
+            <a:pPr marL="285750" indent="-285750">
+              <a:lnSpc>
+                <a:spcPct val="150000"/>
+              </a:lnSpc>
+              <a:buFont typeface="Arial" panose="020B0604020202020204" pitchFamily="34" charset="0"/>
+              <a:buChar char="•"/>
+            </a:pPr>
+            <a:r>
+              <a:rPr lang="es-ES" dirty="0"/>
+              <a:t>Permite mediante el uso de componentes alterar el comportamiento de las entidades</a:t>
+            </a:r>
+          </a:p>
+        </p:txBody>
+      </p:sp>
+    </p:spTree>
+    <p:extLst>
+      <p:ext uri="{BB962C8B-B14F-4D97-AF65-F5344CB8AC3E}">
+        <p14:creationId xmlns:p14="http://schemas.microsoft.com/office/powerpoint/2010/main" val="824347744"/>
+      </p:ext>
+    </p:extLst>
+  </p:cSld>
+  <p:clrMapOvr>
+    <a:masterClrMapping/>
+  </p:clrMapOvr>
   <p:timing>
     <p:tnLst>
       <p:par>
@@ -9739,7 +9989,7 @@
                             </p:stCondLst>
                             <p:childTnLst>
                               <p:par>
-                                <p:cTn id="5" presetID="1" presetClass="entr" presetSubtype="0" fill="hold" nodeType="clickEffect">
+                                <p:cTn id="5" presetID="1" presetClass="entr" presetSubtype="0" fill="hold" grpId="0" nodeType="clickEffect">
                                   <p:stCondLst>
                                     <p:cond delay="0"/>
                                   </p:stCondLst>
@@ -9752,7 +10002,158 @@
                                           </p:stCondLst>
                                         </p:cTn>
                                         <p:tgtEl>
-                                          <p:spTgt spid="2"/>
+                                          <p:spTgt spid="6">
+                                            <p:txEl>
+                                              <p:pRg st="0" end="0"/>
+                                            </p:txEl>
+                                          </p:spTgt>
+                                        </p:tgtEl>
+                                        <p:attrNameLst>
+                                          <p:attrName>style.visibility</p:attrName>
+                                        </p:attrNameLst>
+                                      </p:cBhvr>
+                                      <p:to>
+                                        <p:strVal val="visible"/>
+                                      </p:to>
+                                    </p:set>
+                                  </p:childTnLst>
+                                </p:cTn>
+                              </p:par>
+                            </p:childTnLst>
+                          </p:cTn>
+                        </p:par>
+                      </p:childTnLst>
+                    </p:cTn>
+                  </p:par>
+                  <p:par>
+                    <p:cTn id="7" fill="hold">
+                      <p:stCondLst>
+                        <p:cond delay="indefinite"/>
+                      </p:stCondLst>
+                      <p:childTnLst>
+                        <p:par>
+                          <p:cTn id="8" fill="hold">
+                            <p:stCondLst>
+                              <p:cond delay="0"/>
+                            </p:stCondLst>
+                            <p:childTnLst>
+                              <p:par>
+                                <p:cTn id="9" presetID="1" presetClass="entr" presetSubtype="0" fill="hold" grpId="0" nodeType="clickEffect">
+                                  <p:stCondLst>
+                                    <p:cond delay="0"/>
+                                  </p:stCondLst>
+                                  <p:childTnLst>
+                                    <p:set>
+                                      <p:cBhvr>
+                                        <p:cTn id="10" dur="1" fill="hold">
+                                          <p:stCondLst>
+                                            <p:cond delay="0"/>
+                                          </p:stCondLst>
+                                        </p:cTn>
+                                        <p:tgtEl>
+                                          <p:spTgt spid="6">
+                                            <p:txEl>
+                                              <p:pRg st="1" end="1"/>
+                                            </p:txEl>
+                                          </p:spTgt>
+                                        </p:tgtEl>
+                                        <p:attrNameLst>
+                                          <p:attrName>style.visibility</p:attrName>
+                                        </p:attrNameLst>
+                                      </p:cBhvr>
+                                      <p:to>
+                                        <p:strVal val="visible"/>
+                                      </p:to>
+                                    </p:set>
+                                  </p:childTnLst>
+                                </p:cTn>
+                              </p:par>
+                            </p:childTnLst>
+                          </p:cTn>
+                        </p:par>
+                      </p:childTnLst>
+                    </p:cTn>
+                  </p:par>
+                  <p:par>
+                    <p:cTn id="11" fill="hold">
+                      <p:stCondLst>
+                        <p:cond delay="indefinite"/>
+                      </p:stCondLst>
+                      <p:childTnLst>
+                        <p:par>
+                          <p:cTn id="12" fill="hold">
+                            <p:stCondLst>
+                              <p:cond delay="0"/>
+                            </p:stCondLst>
+                            <p:childTnLst>
+                              <p:par>
+                                <p:cTn id="13" presetID="1" presetClass="entr" presetSubtype="0" fill="hold" grpId="0" nodeType="clickEffect">
+                                  <p:stCondLst>
+                                    <p:cond delay="0"/>
+                                  </p:stCondLst>
+                                  <p:childTnLst>
+                                    <p:set>
+                                      <p:cBhvr>
+                                        <p:cTn id="14" dur="1" fill="hold">
+                                          <p:stCondLst>
+                                            <p:cond delay="0"/>
+                                          </p:stCondLst>
+                                        </p:cTn>
+                                        <p:tgtEl>
+                                          <p:spTgt spid="6">
+                                            <p:txEl>
+                                              <p:pRg st="2" end="2"/>
+                                            </p:txEl>
+                                          </p:spTgt>
+                                        </p:tgtEl>
+                                        <p:attrNameLst>
+                                          <p:attrName>style.visibility</p:attrName>
+                                        </p:attrNameLst>
+                                      </p:cBhvr>
+                                      <p:to>
+                                        <p:strVal val="visible"/>
+                                      </p:to>
+                                    </p:set>
+                                  </p:childTnLst>
+                                </p:cTn>
+                              </p:par>
+                            </p:childTnLst>
+                          </p:cTn>
+                        </p:par>
+                      </p:childTnLst>
+                    </p:cTn>
+                  </p:par>
+                  <p:par>
+                    <p:cTn id="15" fill="hold">
+                      <p:stCondLst>
+                        <p:cond delay="indefinite"/>
+                      </p:stCondLst>
+                      <p:childTnLst>
+                        <p:par>
+                          <p:cTn id="16" fill="hold">
+                            <p:stCondLst>
+                              <p:cond delay="0"/>
+                            </p:stCondLst>
+                            <p:childTnLst>
+                              <p:par>
+                                <p:cTn id="17" presetID="1" presetClass="entr" presetSubtype="0" fill="hold" grpId="0" nodeType="clickEffect">
+                                  <p:stCondLst>
+                                    <p:cond delay="0"/>
+                                  </p:stCondLst>
+                                  <p:childTnLst>
+                                    <p:set>
+                                      <p:cBhvr>
+                                        <p:cTn id="18" dur="1" fill="hold">
+                                          <p:stCondLst>
+                                            <p:cond delay="0"/>
+                                          </p:stCondLst>
+                                        </p:cTn>
+                                        <p:tgtEl>
+                                          <p:spTgt spid="6">
+                                            <p:txEl>
+                                              <p:pRg st="3" end="3"/>
+                                            </p:txEl>
+                                          </p:spTgt>
                                         </p:tgtEl>
                                         <p:attrNameLst>
                                           <p:attrName>style.visibility</p:attrName>
@@ -9792,11 +10193,14 @@
         </p:cTn>
       </p:par>
     </p:tnLst>
+    <p:bldLst>
+      <p:bldP spid="6" grpId="0" build="p"/>
+    </p:bldLst>
   </p:timing>
 </p:sld>
 </file>
 
-<file path=ppt/slides/slide11.xml><?xml version="1.0" encoding="utf-8"?>
+<file path=ppt/slides/slide12.xml><?xml version="1.0" encoding="utf-8"?>
 <p:sld xmlns:a="http://schemas.openxmlformats.org/drawingml/2006/main" xmlns:r="http://schemas.openxmlformats.org/officeDocument/2006/relationships" xmlns:p="http://schemas.openxmlformats.org/presentationml/2006/main">
   <p:cSld>
     <p:spTree>
@@ -9818,7 +10222,7 @@
           <p:cNvPr id="3" name="Título 2">
             <a:extLst>
               <a:ext uri="{FF2B5EF4-FFF2-40B4-BE49-F238E27FC236}">
-                <a16:creationId xmlns:a16="http://schemas.microsoft.com/office/drawing/2014/main" id="{BFF67D6C-A177-8AD1-863F-DF6F8B6383D0}"/>
+                <a16:creationId xmlns:a16="http://schemas.microsoft.com/office/drawing/2014/main" id="{65E3DC0E-8B4D-103F-21EC-228C5FAF578B}"/>
               </a:ext>
             </a:extLst>
           </p:cNvPr>
@@ -9829,7 +10233,12 @@
             <p:ph type="title"/>
           </p:nvPr>
         </p:nvSpPr>
-        <p:spPr/>
+        <p:spPr>
+          <a:xfrm>
+            <a:off x="1422400" y="558801"/>
+            <a:ext cx="7645399" cy="615950"/>
+          </a:xfrm>
+        </p:spPr>
         <p:txBody>
           <a:bodyPr>
             <a:normAutofit fontScale="90000"/>
@@ -9838,15 +10247,35 @@
           <a:p>
             <a:r>
               <a:rPr lang="es-ES" dirty="0"/>
-              <a:t>A-</a:t>
-            </a:r>
-            <a:r>
-              <a:rPr lang="es-ES" dirty="0" err="1"/>
-              <a:t>Frame</a:t>
-            </a:r>
+              <a:t>Proceso de desarrollo</a:t>
+            </a:r>
+          </a:p>
+        </p:txBody>
+      </p:sp>
+      <p:sp>
+        <p:nvSpPr>
+          <p:cNvPr id="5" name="Subtítulo 4">
+            <a:extLst>
+              <a:ext uri="{FF2B5EF4-FFF2-40B4-BE49-F238E27FC236}">
+                <a16:creationId xmlns:a16="http://schemas.microsoft.com/office/drawing/2014/main" id="{FA169EDE-7B8D-251F-7863-5564C28B7B80}"/>
+              </a:ext>
+            </a:extLst>
+          </p:cNvPr>
+          <p:cNvSpPr>
+            <a:spLocks noGrp="1"/>
+          </p:cNvSpPr>
+          <p:nvPr>
+            <p:ph type="subTitle" idx="13"/>
+          </p:nvPr>
+        </p:nvSpPr>
+        <p:spPr/>
+        <p:txBody>
+          <a:bodyPr/>
+          <a:lstStyle/>
+          <a:p>
             <a:r>
               <a:rPr lang="es-ES" dirty="0"/>
-              <a:t> y Three.js</a:t>
+              <a:t>Scrum</a:t>
             </a:r>
           </a:p>
         </p:txBody>
@@ -9856,7 +10285,7 @@
           <p:cNvPr id="7" name="Marcador de texto 6">
             <a:extLst>
               <a:ext uri="{FF2B5EF4-FFF2-40B4-BE49-F238E27FC236}">
-                <a16:creationId xmlns:a16="http://schemas.microsoft.com/office/drawing/2014/main" id="{10326BBE-8416-C08F-02FE-4E7198375479}"/>
+                <a16:creationId xmlns:a16="http://schemas.microsoft.com/office/drawing/2014/main" id="{BE7D8322-F0E4-2E4B-3717-02143FA3D468}"/>
               </a:ext>
             </a:extLst>
           </p:cNvPr>
@@ -9886,10 +10315,212 @@
       </p:sp>
       <p:pic>
         <p:nvPicPr>
-          <p:cNvPr id="2" name="Imagen 1" descr="Imagen que contiene lego&#10;&#10;Descripción generada automáticamente">
-            <a:extLst>
-              <a:ext uri="{FF2B5EF4-FFF2-40B4-BE49-F238E27FC236}">
-                <a16:creationId xmlns:a16="http://schemas.microsoft.com/office/drawing/2014/main" id="{A5663457-5226-B883-3B68-9DA902E7F9CF}"/>
+          <p:cNvPr id="9" name="Imagen 8" descr="Gráfico&#10;&#10;Descripción generada automáticamente">
+            <a:extLst>
+              <a:ext uri="{FF2B5EF4-FFF2-40B4-BE49-F238E27FC236}">
+                <a16:creationId xmlns:a16="http://schemas.microsoft.com/office/drawing/2014/main" id="{6D0D2745-239F-418C-FF69-03F5C786CFF7}"/>
+              </a:ext>
+            </a:extLst>
+          </p:cNvPr>
+          <p:cNvPicPr>
+            <a:picLocks noChangeAspect="1"/>
+          </p:cNvPicPr>
+          <p:nvPr/>
+        </p:nvPicPr>
+        <p:blipFill>
+          <a:blip r:embed="rId2">
+            <a:extLst>
+              <a:ext uri="{28A0092B-C50C-407E-A947-70E740481C1C}">
+                <a14:useLocalDpi xmlns:a14="http://schemas.microsoft.com/office/drawing/2010/main" val="0"/>
+              </a:ext>
+            </a:extLst>
+          </a:blip>
+          <a:stretch>
+            <a:fillRect/>
+          </a:stretch>
+        </p:blipFill>
+        <p:spPr>
+          <a:xfrm>
+            <a:off x="5329451" y="2177533"/>
+            <a:ext cx="6611088" cy="3537335"/>
+          </a:xfrm>
+          <a:prstGeom prst="rect">
+            <a:avLst/>
+          </a:prstGeom>
+        </p:spPr>
+      </p:pic>
+      <p:sp>
+        <p:nvSpPr>
+          <p:cNvPr id="10" name="CuadroTexto 9">
+            <a:extLst>
+              <a:ext uri="{FF2B5EF4-FFF2-40B4-BE49-F238E27FC236}">
+                <a16:creationId xmlns:a16="http://schemas.microsoft.com/office/drawing/2014/main" id="{7F4736FC-6935-4DBB-8BA4-3491083F0A08}"/>
+              </a:ext>
+            </a:extLst>
+          </p:cNvPr>
+          <p:cNvSpPr txBox="1"/>
+          <p:nvPr/>
+        </p:nvSpPr>
+        <p:spPr>
+          <a:xfrm>
+            <a:off x="1422399" y="1920240"/>
+            <a:ext cx="3675381" cy="369332"/>
+          </a:xfrm>
+          <a:prstGeom prst="rect">
+            <a:avLst/>
+          </a:prstGeom>
+          <a:noFill/>
+        </p:spPr>
+        <p:txBody>
+          <a:bodyPr wrap="square" rtlCol="0">
+            <a:spAutoFit/>
+          </a:bodyPr>
+          <a:lstStyle/>
+          <a:p>
+            <a:pPr marL="285750" indent="-285750">
+              <a:buFont typeface="Arial" panose="020B0604020202020204" pitchFamily="34" charset="0"/>
+              <a:buChar char="•"/>
+            </a:pPr>
+            <a:r>
+              <a:rPr lang="es-ES" dirty="0" err="1"/>
+              <a:t>dfas</a:t>
+            </a:r>
+            <a:endParaRPr lang="es-ES" dirty="0"/>
+          </a:p>
+        </p:txBody>
+      </p:sp>
+    </p:spTree>
+    <p:extLst>
+      <p:ext uri="{BB962C8B-B14F-4D97-AF65-F5344CB8AC3E}">
+        <p14:creationId xmlns:p14="http://schemas.microsoft.com/office/powerpoint/2010/main" val="3455539433"/>
+      </p:ext>
+    </p:extLst>
+  </p:cSld>
+  <p:clrMapOvr>
+    <a:masterClrMapping/>
+  </p:clrMapOvr>
+</p:sld>
+</file>
+
+<file path=ppt/slides/slide13.xml><?xml version="1.0" encoding="utf-8"?>
+<p:sld xmlns:a="http://schemas.openxmlformats.org/drawingml/2006/main" xmlns:r="http://schemas.openxmlformats.org/officeDocument/2006/relationships" xmlns:p="http://schemas.openxmlformats.org/presentationml/2006/main">
+  <p:cSld>
+    <p:spTree>
+      <p:nvGrpSpPr>
+        <p:cNvPr id="1" name=""/>
+        <p:cNvGrpSpPr/>
+        <p:nvPr/>
+      </p:nvGrpSpPr>
+      <p:grpSpPr>
+        <a:xfrm>
+          <a:off x="0" y="0"/>
+          <a:ext cx="0" cy="0"/>
+          <a:chOff x="0" y="0"/>
+          <a:chExt cx="0" cy="0"/>
+        </a:xfrm>
+      </p:grpSpPr>
+      <p:sp>
+        <p:nvSpPr>
+          <p:cNvPr id="3" name="Título 2">
+            <a:extLst>
+              <a:ext uri="{FF2B5EF4-FFF2-40B4-BE49-F238E27FC236}">
+                <a16:creationId xmlns:a16="http://schemas.microsoft.com/office/drawing/2014/main" id="{65E3DC0E-8B4D-103F-21EC-228C5FAF578B}"/>
+              </a:ext>
+            </a:extLst>
+          </p:cNvPr>
+          <p:cNvSpPr>
+            <a:spLocks noGrp="1"/>
+          </p:cNvSpPr>
+          <p:nvPr>
+            <p:ph type="title"/>
+          </p:nvPr>
+        </p:nvSpPr>
+        <p:spPr>
+          <a:xfrm>
+            <a:off x="1422400" y="558801"/>
+            <a:ext cx="7645399" cy="615950"/>
+          </a:xfrm>
+        </p:spPr>
+        <p:txBody>
+          <a:bodyPr>
+            <a:normAutofit fontScale="90000"/>
+          </a:bodyPr>
+          <a:lstStyle/>
+          <a:p>
+            <a:r>
+              <a:rPr lang="es-ES" dirty="0"/>
+              <a:t>DISEÑO E IMPLEMENTACIÓN</a:t>
+            </a:r>
+          </a:p>
+        </p:txBody>
+      </p:sp>
+      <p:sp>
+        <p:nvSpPr>
+          <p:cNvPr id="5" name="Subtítulo 4">
+            <a:extLst>
+              <a:ext uri="{FF2B5EF4-FFF2-40B4-BE49-F238E27FC236}">
+                <a16:creationId xmlns:a16="http://schemas.microsoft.com/office/drawing/2014/main" id="{FA169EDE-7B8D-251F-7863-5564C28B7B80}"/>
+              </a:ext>
+            </a:extLst>
+          </p:cNvPr>
+          <p:cNvSpPr>
+            <a:spLocks noGrp="1"/>
+          </p:cNvSpPr>
+          <p:nvPr>
+            <p:ph type="subTitle" idx="13"/>
+          </p:nvPr>
+        </p:nvSpPr>
+        <p:spPr/>
+        <p:txBody>
+          <a:bodyPr/>
+          <a:lstStyle/>
+          <a:p>
+            <a:r>
+              <a:rPr lang="es-ES" dirty="0"/>
+              <a:t>Arquitectura general</a:t>
+            </a:r>
+          </a:p>
+        </p:txBody>
+      </p:sp>
+      <p:sp>
+        <p:nvSpPr>
+          <p:cNvPr id="7" name="Marcador de texto 6">
+            <a:extLst>
+              <a:ext uri="{FF2B5EF4-FFF2-40B4-BE49-F238E27FC236}">
+                <a16:creationId xmlns:a16="http://schemas.microsoft.com/office/drawing/2014/main" id="{BE7D8322-F0E4-2E4B-3717-02143FA3D468}"/>
+              </a:ext>
+            </a:extLst>
+          </p:cNvPr>
+          <p:cNvSpPr>
+            <a:spLocks noGrp="1"/>
+          </p:cNvSpPr>
+          <p:nvPr>
+            <p:ph type="body" sz="quarter" idx="16"/>
+          </p:nvPr>
+        </p:nvSpPr>
+        <p:spPr>
+          <a:xfrm>
+            <a:off x="1422400" y="6408077"/>
+            <a:ext cx="5521862" cy="184666"/>
+          </a:xfrm>
+        </p:spPr>
+        <p:txBody>
+          <a:bodyPr/>
+          <a:lstStyle/>
+          <a:p>
+            <a:r>
+              <a:rPr lang="es-ES" dirty="0"/>
+              <a:t>ESCUELA DE INGENIERÍA DE FUENLABRADA</a:t>
+            </a:r>
+          </a:p>
+        </p:txBody>
+      </p:sp>
+      <p:pic>
+        <p:nvPicPr>
+          <p:cNvPr id="9" name="Imagen 8">
+            <a:extLst>
+              <a:ext uri="{FF2B5EF4-FFF2-40B4-BE49-F238E27FC236}">
+                <a16:creationId xmlns:a16="http://schemas.microsoft.com/office/drawing/2014/main" id="{6383DCD1-A2E4-3F8D-7451-1209EA2DA1D4}"/>
               </a:ext>
             </a:extLst>
           </p:cNvPr>
@@ -9905,61 +10536,31 @@
           </a:stretch>
         </p:blipFill>
         <p:spPr>
-          <a:xfrm flipH="1">
-            <a:off x="5937917" y="402665"/>
-            <a:ext cx="866607" cy="772086"/>
+          <a:xfrm>
+            <a:off x="8788302" y="1529994"/>
+            <a:ext cx="2291429" cy="4769205"/>
           </a:xfrm>
           <a:prstGeom prst="rect">
             <a:avLst/>
           </a:prstGeom>
         </p:spPr>
       </p:pic>
-      <p:pic>
-        <p:nvPicPr>
-          <p:cNvPr id="4" name="Imagen 3" descr="Imagen que contiene Forma&#10;&#10;Descripción generada automáticamente">
-            <a:extLst>
-              <a:ext uri="{FF2B5EF4-FFF2-40B4-BE49-F238E27FC236}">
-                <a16:creationId xmlns:a16="http://schemas.microsoft.com/office/drawing/2014/main" id="{049AFD1A-4ADC-A742-5B59-19773A4C7561}"/>
-              </a:ext>
-            </a:extLst>
-          </p:cNvPr>
-          <p:cNvPicPr>
-            <a:picLocks noChangeAspect="1"/>
-          </p:cNvPicPr>
+      <p:sp>
+        <p:nvSpPr>
+          <p:cNvPr id="10" name="CuadroTexto 9">
+            <a:extLst>
+              <a:ext uri="{FF2B5EF4-FFF2-40B4-BE49-F238E27FC236}">
+                <a16:creationId xmlns:a16="http://schemas.microsoft.com/office/drawing/2014/main" id="{BEB288A8-B37C-1CBD-6DF5-E234474C70DF}"/>
+              </a:ext>
+            </a:extLst>
+          </p:cNvPr>
+          <p:cNvSpPr txBox="1"/>
           <p:nvPr/>
-        </p:nvPicPr>
-        <p:blipFill>
-          <a:blip r:embed="rId3"/>
-          <a:stretch>
-            <a:fillRect/>
-          </a:stretch>
-        </p:blipFill>
+        </p:nvSpPr>
         <p:spPr>
           <a:xfrm>
-            <a:off x="6944261" y="402665"/>
-            <a:ext cx="1510217" cy="772086"/>
-          </a:xfrm>
-          <a:prstGeom prst="rect">
-            <a:avLst/>
-          </a:prstGeom>
-        </p:spPr>
-      </p:pic>
-      <p:sp>
-        <p:nvSpPr>
-          <p:cNvPr id="6" name="CuadroTexto 5">
-            <a:extLst>
-              <a:ext uri="{FF2B5EF4-FFF2-40B4-BE49-F238E27FC236}">
-                <a16:creationId xmlns:a16="http://schemas.microsoft.com/office/drawing/2014/main" id="{4851D04E-478A-E4DB-9A04-371082AE4966}"/>
-              </a:ext>
-            </a:extLst>
-          </p:cNvPr>
-          <p:cNvSpPr txBox="1"/>
-          <p:nvPr/>
-        </p:nvSpPr>
-        <p:spPr>
-          <a:xfrm>
-            <a:off x="1422400" y="1493520"/>
-            <a:ext cx="9946640" cy="3365024"/>
+            <a:off x="1422399" y="1859280"/>
+            <a:ext cx="7272021" cy="3463897"/>
           </a:xfrm>
           <a:prstGeom prst="rect">
             <a:avLst/>
@@ -9980,8 +10581,16 @@
               <a:buChar char="•"/>
             </a:pPr>
             <a:r>
-              <a:rPr lang="es-ES" dirty="0"/>
-              <a:t>Utiliza el patrón entidad componente, donde las entidades representan los objetos en la escena y, los componentes son bloques de funcionalidad que se agregan a las entidades para definir su comportamiento, apariencia o interacción</a:t>
+              <a:rPr lang="es-ES" sz="1600" b="1" i="1" dirty="0" err="1"/>
+              <a:t>Gui</a:t>
+            </a:r>
+            <a:r>
+              <a:rPr lang="es-ES" sz="1600" b="1" i="1" dirty="0"/>
+              <a:t>: </a:t>
+            </a:r>
+            <a:r>
+              <a:rPr lang="es-ES" sz="1600" dirty="0"/>
+              <a:t>Ficheros que gestionan y contienen todos los componentes relacionados con la interfaz gráfica del usuario.</a:t>
             </a:r>
           </a:p>
           <a:p>
@@ -9993,8 +10602,12 @@
               <a:buChar char="•"/>
             </a:pPr>
             <a:r>
-              <a:rPr lang="es-ES" dirty="0"/>
-              <a:t>Utiliza las etiquetas personalizadas de HTML5 para inicializar entidades y componentes de manera sencilla, sin la necesidad de escribir código JavaScript</a:t>
+              <a:rPr lang="es-ES" sz="1600" b="1" i="1" dirty="0"/>
+              <a:t>Gis: </a:t>
+            </a:r>
+            <a:r>
+              <a:rPr lang="es-ES" sz="1600" dirty="0"/>
+              <a:t>Contiene la lógica que gestiona las transformaciones geoespaciales.</a:t>
             </a:r>
           </a:p>
           <a:p>
@@ -10006,16 +10619,12 @@
               <a:buChar char="•"/>
             </a:pPr>
             <a:r>
-              <a:rPr lang="es-ES" dirty="0"/>
-              <a:t>A través de estas etiquetas personalizadas de HTML, A-</a:t>
-            </a:r>
-            <a:r>
-              <a:rPr lang="es-ES" dirty="0" err="1"/>
-              <a:t>Frame</a:t>
-            </a:r>
-            <a:r>
-              <a:rPr lang="es-ES" dirty="0"/>
-              <a:t> encapsula y simplifica el uso de Three.js</a:t>
+              <a:rPr lang="es-ES" sz="1600" b="1" i="1" dirty="0"/>
+              <a:t>Data: </a:t>
+            </a:r>
+            <a:r>
+              <a:rPr lang="es-ES" sz="1600" dirty="0"/>
+              <a:t>Ficheros que gestionan la lógica responsable de acceder a los datos y mantenerlos en memoria.</a:t>
             </a:r>
           </a:p>
           <a:p>
@@ -10027,16 +10636,48 @@
               <a:buChar char="•"/>
             </a:pPr>
             <a:r>
-              <a:rPr lang="es-ES" dirty="0"/>
-              <a:t>Permite mediante el uso de componentes alterar el comportamiento de las entidades</a:t>
-            </a:r>
+              <a:rPr lang="es-ES" sz="1600" b="1" i="1" dirty="0" err="1"/>
+              <a:t>Map-ground</a:t>
+            </a:r>
+            <a:r>
+              <a:rPr lang="es-ES" sz="1600" b="1" i="1" dirty="0"/>
+              <a:t>: </a:t>
+            </a:r>
+            <a:r>
+              <a:rPr lang="es-ES" sz="1600" dirty="0"/>
+              <a:t>Ficheros responsables de cargar el suelo, los edificios y gestionar las alturas de las entidades.</a:t>
+            </a:r>
+          </a:p>
+          <a:p>
+            <a:pPr marL="285750" indent="-285750" algn="l">
+              <a:lnSpc>
+                <a:spcPct val="150000"/>
+              </a:lnSpc>
+              <a:buFont typeface="Arial" panose="020B0604020202020204" pitchFamily="34" charset="0"/>
+              <a:buChar char="•"/>
+            </a:pPr>
+            <a:r>
+              <a:rPr lang="es-ES" sz="1600" b="1" i="1" dirty="0" err="1"/>
+              <a:t>Configuration</a:t>
+            </a:r>
+            <a:r>
+              <a:rPr lang="es-ES" sz="1600" b="1" i="1" dirty="0"/>
+              <a:t>: </a:t>
+            </a:r>
+            <a:r>
+              <a:rPr lang="es-ES" sz="1800" b="0" i="0" u="none" strike="noStrike" baseline="0" dirty="0">
+                <a:latin typeface="NimbusRomNo9L-Regu"/>
+              </a:rPr>
+              <a:t>Ficheros responsables de precargar la configuración del escenario y parametrizar la aplicación.</a:t>
+            </a:r>
+            <a:endParaRPr lang="es-ES" sz="1600" b="1" i="1" dirty="0"/>
           </a:p>
         </p:txBody>
       </p:sp>
     </p:spTree>
     <p:extLst>
       <p:ext uri="{BB962C8B-B14F-4D97-AF65-F5344CB8AC3E}">
-        <p14:creationId xmlns:p14="http://schemas.microsoft.com/office/powerpoint/2010/main" val="824347744"/>
+        <p14:creationId xmlns:p14="http://schemas.microsoft.com/office/powerpoint/2010/main" val="3045394045"/>
       </p:ext>
     </p:extLst>
   </p:cSld>
@@ -10064,7 +10705,7 @@
                             </p:stCondLst>
                             <p:childTnLst>
                               <p:par>
-                                <p:cTn id="5" presetID="1" presetClass="entr" presetSubtype="0" fill="hold" nodeType="clickEffect">
+                                <p:cTn id="5" presetID="1" presetClass="entr" presetSubtype="0" fill="hold" grpId="0" nodeType="clickEffect">
                                   <p:stCondLst>
                                     <p:cond delay="0"/>
                                   </p:stCondLst>
@@ -10077,7 +10718,11 @@
                                           </p:stCondLst>
                                         </p:cTn>
                                         <p:tgtEl>
-                                          <p:spTgt spid="4"/>
+                                          <p:spTgt spid="10">
+                                            <p:txEl>
+                                              <p:pRg st="0" end="0"/>
+                                            </p:txEl>
+                                          </p:spTgt>
                                         </p:tgtEl>
                                         <p:attrNameLst>
                                           <p:attrName>style.visibility</p:attrName>
@@ -10109,7 +10754,7 @@
                             </p:stCondLst>
                             <p:childTnLst>
                               <p:par>
-                                <p:cTn id="9" presetID="1" presetClass="entr" presetSubtype="0" fill="hold" nodeType="clickEffect">
+                                <p:cTn id="9" presetID="1" presetClass="entr" presetSubtype="0" fill="hold" grpId="0" nodeType="clickEffect">
                                   <p:stCondLst>
                                     <p:cond delay="0"/>
                                   </p:stCondLst>
@@ -10122,7 +10767,158 @@
                                           </p:stCondLst>
                                         </p:cTn>
                                         <p:tgtEl>
-                                          <p:spTgt spid="2"/>
+                                          <p:spTgt spid="10">
+                                            <p:txEl>
+                                              <p:pRg st="1" end="1"/>
+                                            </p:txEl>
+                                          </p:spTgt>
+                                        </p:tgtEl>
+                                        <p:attrNameLst>
+                                          <p:attrName>style.visibility</p:attrName>
+                                        </p:attrNameLst>
+                                      </p:cBhvr>
+                                      <p:to>
+                                        <p:strVal val="visible"/>
+                                      </p:to>
+                                    </p:set>
+                                  </p:childTnLst>
+                                </p:cTn>
+                              </p:par>
+                            </p:childTnLst>
+                          </p:cTn>
+                        </p:par>
+                      </p:childTnLst>
+                    </p:cTn>
+                  </p:par>
+                  <p:par>
+                    <p:cTn id="11" fill="hold">
+                      <p:stCondLst>
+                        <p:cond delay="indefinite"/>
+                      </p:stCondLst>
+                      <p:childTnLst>
+                        <p:par>
+                          <p:cTn id="12" fill="hold">
+                            <p:stCondLst>
+                              <p:cond delay="0"/>
+                            </p:stCondLst>
+                            <p:childTnLst>
+                              <p:par>
+                                <p:cTn id="13" presetID="1" presetClass="entr" presetSubtype="0" fill="hold" grpId="0" nodeType="clickEffect">
+                                  <p:stCondLst>
+                                    <p:cond delay="0"/>
+                                  </p:stCondLst>
+                                  <p:childTnLst>
+                                    <p:set>
+                                      <p:cBhvr>
+                                        <p:cTn id="14" dur="1" fill="hold">
+                                          <p:stCondLst>
+                                            <p:cond delay="0"/>
+                                          </p:stCondLst>
+                                        </p:cTn>
+                                        <p:tgtEl>
+                                          <p:spTgt spid="10">
+                                            <p:txEl>
+                                              <p:pRg st="2" end="2"/>
+                                            </p:txEl>
+                                          </p:spTgt>
+                                        </p:tgtEl>
+                                        <p:attrNameLst>
+                                          <p:attrName>style.visibility</p:attrName>
+                                        </p:attrNameLst>
+                                      </p:cBhvr>
+                                      <p:to>
+                                        <p:strVal val="visible"/>
+                                      </p:to>
+                                    </p:set>
+                                  </p:childTnLst>
+                                </p:cTn>
+                              </p:par>
+                            </p:childTnLst>
+                          </p:cTn>
+                        </p:par>
+                      </p:childTnLst>
+                    </p:cTn>
+                  </p:par>
+                  <p:par>
+                    <p:cTn id="15" fill="hold">
+                      <p:stCondLst>
+                        <p:cond delay="indefinite"/>
+                      </p:stCondLst>
+                      <p:childTnLst>
+                        <p:par>
+                          <p:cTn id="16" fill="hold">
+                            <p:stCondLst>
+                              <p:cond delay="0"/>
+                            </p:stCondLst>
+                            <p:childTnLst>
+                              <p:par>
+                                <p:cTn id="17" presetID="1" presetClass="entr" presetSubtype="0" fill="hold" grpId="0" nodeType="clickEffect">
+                                  <p:stCondLst>
+                                    <p:cond delay="0"/>
+                                  </p:stCondLst>
+                                  <p:childTnLst>
+                                    <p:set>
+                                      <p:cBhvr>
+                                        <p:cTn id="18" dur="1" fill="hold">
+                                          <p:stCondLst>
+                                            <p:cond delay="0"/>
+                                          </p:stCondLst>
+                                        </p:cTn>
+                                        <p:tgtEl>
+                                          <p:spTgt spid="10">
+                                            <p:txEl>
+                                              <p:pRg st="3" end="3"/>
+                                            </p:txEl>
+                                          </p:spTgt>
+                                        </p:tgtEl>
+                                        <p:attrNameLst>
+                                          <p:attrName>style.visibility</p:attrName>
+                                        </p:attrNameLst>
+                                      </p:cBhvr>
+                                      <p:to>
+                                        <p:strVal val="visible"/>
+                                      </p:to>
+                                    </p:set>
+                                  </p:childTnLst>
+                                </p:cTn>
+                              </p:par>
+                            </p:childTnLst>
+                          </p:cTn>
+                        </p:par>
+                      </p:childTnLst>
+                    </p:cTn>
+                  </p:par>
+                  <p:par>
+                    <p:cTn id="19" fill="hold">
+                      <p:stCondLst>
+                        <p:cond delay="indefinite"/>
+                      </p:stCondLst>
+                      <p:childTnLst>
+                        <p:par>
+                          <p:cTn id="20" fill="hold">
+                            <p:stCondLst>
+                              <p:cond delay="0"/>
+                            </p:stCondLst>
+                            <p:childTnLst>
+                              <p:par>
+                                <p:cTn id="21" presetID="1" presetClass="entr" presetSubtype="0" fill="hold" grpId="0" nodeType="clickEffect">
+                                  <p:stCondLst>
+                                    <p:cond delay="0"/>
+                                  </p:stCondLst>
+                                  <p:childTnLst>
+                                    <p:set>
+                                      <p:cBhvr>
+                                        <p:cTn id="22" dur="1" fill="hold">
+                                          <p:stCondLst>
+                                            <p:cond delay="0"/>
+                                          </p:stCondLst>
+                                        </p:cTn>
+                                        <p:tgtEl>
+                                          <p:spTgt spid="10">
+                                            <p:txEl>
+                                              <p:pRg st="4" end="4"/>
+                                            </p:txEl>
+                                          </p:spTgt>
                                         </p:tgtEl>
                                         <p:attrNameLst>
                                           <p:attrName>style.visibility</p:attrName>
@@ -10162,494 +10958,10 @@
         </p:cTn>
       </p:par>
     </p:tnLst>
+    <p:bldLst>
+      <p:bldP spid="10" grpId="0" build="p"/>
+    </p:bldLst>
   </p:timing>
-</p:sld>
-</file>
-
-<file path=ppt/slides/slide12.xml><?xml version="1.0" encoding="utf-8"?>
-<p:sld xmlns:a="http://schemas.openxmlformats.org/drawingml/2006/main" xmlns:r="http://schemas.openxmlformats.org/officeDocument/2006/relationships" xmlns:p="http://schemas.openxmlformats.org/presentationml/2006/main">
-  <p:cSld>
-    <p:spTree>
-      <p:nvGrpSpPr>
-        <p:cNvPr id="1" name=""/>
-        <p:cNvGrpSpPr/>
-        <p:nvPr/>
-      </p:nvGrpSpPr>
-      <p:grpSpPr>
-        <a:xfrm>
-          <a:off x="0" y="0"/>
-          <a:ext cx="0" cy="0"/>
-          <a:chOff x="0" y="0"/>
-          <a:chExt cx="0" cy="0"/>
-        </a:xfrm>
-      </p:grpSpPr>
-      <p:sp>
-        <p:nvSpPr>
-          <p:cNvPr id="3" name="Título 2">
-            <a:extLst>
-              <a:ext uri="{FF2B5EF4-FFF2-40B4-BE49-F238E27FC236}">
-                <a16:creationId xmlns:a16="http://schemas.microsoft.com/office/drawing/2014/main" id="{65E3DC0E-8B4D-103F-21EC-228C5FAF578B}"/>
-              </a:ext>
-            </a:extLst>
-          </p:cNvPr>
-          <p:cNvSpPr>
-            <a:spLocks noGrp="1"/>
-          </p:cNvSpPr>
-          <p:nvPr>
-            <p:ph type="title"/>
-          </p:nvPr>
-        </p:nvSpPr>
-        <p:spPr>
-          <a:xfrm>
-            <a:off x="1422400" y="558801"/>
-            <a:ext cx="7645399" cy="615950"/>
-          </a:xfrm>
-        </p:spPr>
-        <p:txBody>
-          <a:bodyPr>
-            <a:normAutofit fontScale="90000"/>
-          </a:bodyPr>
-          <a:lstStyle/>
-          <a:p>
-            <a:r>
-              <a:rPr lang="es-ES" dirty="0"/>
-              <a:t>Proceso de desarrollo</a:t>
-            </a:r>
-          </a:p>
-        </p:txBody>
-      </p:sp>
-      <p:sp>
-        <p:nvSpPr>
-          <p:cNvPr id="5" name="Subtítulo 4">
-            <a:extLst>
-              <a:ext uri="{FF2B5EF4-FFF2-40B4-BE49-F238E27FC236}">
-                <a16:creationId xmlns:a16="http://schemas.microsoft.com/office/drawing/2014/main" id="{FA169EDE-7B8D-251F-7863-5564C28B7B80}"/>
-              </a:ext>
-            </a:extLst>
-          </p:cNvPr>
-          <p:cNvSpPr>
-            <a:spLocks noGrp="1"/>
-          </p:cNvSpPr>
-          <p:nvPr>
-            <p:ph type="subTitle" idx="13"/>
-          </p:nvPr>
-        </p:nvSpPr>
-        <p:spPr/>
-        <p:txBody>
-          <a:bodyPr/>
-          <a:lstStyle/>
-          <a:p>
-            <a:r>
-              <a:rPr lang="es-ES" dirty="0"/>
-              <a:t>Scrum</a:t>
-            </a:r>
-          </a:p>
-        </p:txBody>
-      </p:sp>
-      <p:sp>
-        <p:nvSpPr>
-          <p:cNvPr id="7" name="Marcador de texto 6">
-            <a:extLst>
-              <a:ext uri="{FF2B5EF4-FFF2-40B4-BE49-F238E27FC236}">
-                <a16:creationId xmlns:a16="http://schemas.microsoft.com/office/drawing/2014/main" id="{BE7D8322-F0E4-2E4B-3717-02143FA3D468}"/>
-              </a:ext>
-            </a:extLst>
-          </p:cNvPr>
-          <p:cNvSpPr>
-            <a:spLocks noGrp="1"/>
-          </p:cNvSpPr>
-          <p:nvPr>
-            <p:ph type="body" sz="quarter" idx="16"/>
-          </p:nvPr>
-        </p:nvSpPr>
-        <p:spPr>
-          <a:xfrm>
-            <a:off x="1422400" y="6408077"/>
-            <a:ext cx="5521862" cy="184666"/>
-          </a:xfrm>
-        </p:spPr>
-        <p:txBody>
-          <a:bodyPr/>
-          <a:lstStyle/>
-          <a:p>
-            <a:r>
-              <a:rPr lang="es-ES" dirty="0"/>
-              <a:t>ESCUELA DE INGENIERÍA DE FUENLABRADA</a:t>
-            </a:r>
-          </a:p>
-        </p:txBody>
-      </p:sp>
-      <p:pic>
-        <p:nvPicPr>
-          <p:cNvPr id="9" name="Imagen 8" descr="Gráfico&#10;&#10;Descripción generada automáticamente">
-            <a:extLst>
-              <a:ext uri="{FF2B5EF4-FFF2-40B4-BE49-F238E27FC236}">
-                <a16:creationId xmlns:a16="http://schemas.microsoft.com/office/drawing/2014/main" id="{6D0D2745-239F-418C-FF69-03F5C786CFF7}"/>
-              </a:ext>
-            </a:extLst>
-          </p:cNvPr>
-          <p:cNvPicPr>
-            <a:picLocks noChangeAspect="1"/>
-          </p:cNvPicPr>
-          <p:nvPr/>
-        </p:nvPicPr>
-        <p:blipFill>
-          <a:blip r:embed="rId2">
-            <a:extLst>
-              <a:ext uri="{28A0092B-C50C-407E-A947-70E740481C1C}">
-                <a14:useLocalDpi xmlns:a14="http://schemas.microsoft.com/office/drawing/2010/main" val="0"/>
-              </a:ext>
-            </a:extLst>
-          </a:blip>
-          <a:stretch>
-            <a:fillRect/>
-          </a:stretch>
-        </p:blipFill>
-        <p:spPr>
-          <a:xfrm>
-            <a:off x="5329451" y="2177533"/>
-            <a:ext cx="6611088" cy="3537335"/>
-          </a:xfrm>
-          <a:prstGeom prst="rect">
-            <a:avLst/>
-          </a:prstGeom>
-        </p:spPr>
-      </p:pic>
-      <p:sp>
-        <p:nvSpPr>
-          <p:cNvPr id="10" name="CuadroTexto 9">
-            <a:extLst>
-              <a:ext uri="{FF2B5EF4-FFF2-40B4-BE49-F238E27FC236}">
-                <a16:creationId xmlns:a16="http://schemas.microsoft.com/office/drawing/2014/main" id="{7F4736FC-6935-4DBB-8BA4-3491083F0A08}"/>
-              </a:ext>
-            </a:extLst>
-          </p:cNvPr>
-          <p:cNvSpPr txBox="1"/>
-          <p:nvPr/>
-        </p:nvSpPr>
-        <p:spPr>
-          <a:xfrm>
-            <a:off x="1422399" y="1920240"/>
-            <a:ext cx="3675381" cy="369332"/>
-          </a:xfrm>
-          <a:prstGeom prst="rect">
-            <a:avLst/>
-          </a:prstGeom>
-          <a:noFill/>
-        </p:spPr>
-        <p:txBody>
-          <a:bodyPr wrap="square" rtlCol="0">
-            <a:spAutoFit/>
-          </a:bodyPr>
-          <a:lstStyle/>
-          <a:p>
-            <a:pPr marL="285750" indent="-285750">
-              <a:buFont typeface="Arial" panose="020B0604020202020204" pitchFamily="34" charset="0"/>
-              <a:buChar char="•"/>
-            </a:pPr>
-            <a:r>
-              <a:rPr lang="es-ES" dirty="0" err="1"/>
-              <a:t>dfas</a:t>
-            </a:r>
-            <a:endParaRPr lang="es-ES" dirty="0"/>
-          </a:p>
-        </p:txBody>
-      </p:sp>
-    </p:spTree>
-    <p:extLst>
-      <p:ext uri="{BB962C8B-B14F-4D97-AF65-F5344CB8AC3E}">
-        <p14:creationId xmlns:p14="http://schemas.microsoft.com/office/powerpoint/2010/main" val="3455539433"/>
-      </p:ext>
-    </p:extLst>
-  </p:cSld>
-  <p:clrMapOvr>
-    <a:masterClrMapping/>
-  </p:clrMapOvr>
-</p:sld>
-</file>
-
-<file path=ppt/slides/slide13.xml><?xml version="1.0" encoding="utf-8"?>
-<p:sld xmlns:a="http://schemas.openxmlformats.org/drawingml/2006/main" xmlns:r="http://schemas.openxmlformats.org/officeDocument/2006/relationships" xmlns:p="http://schemas.openxmlformats.org/presentationml/2006/main">
-  <p:cSld>
-    <p:spTree>
-      <p:nvGrpSpPr>
-        <p:cNvPr id="1" name=""/>
-        <p:cNvGrpSpPr/>
-        <p:nvPr/>
-      </p:nvGrpSpPr>
-      <p:grpSpPr>
-        <a:xfrm>
-          <a:off x="0" y="0"/>
-          <a:ext cx="0" cy="0"/>
-          <a:chOff x="0" y="0"/>
-          <a:chExt cx="0" cy="0"/>
-        </a:xfrm>
-      </p:grpSpPr>
-      <p:sp>
-        <p:nvSpPr>
-          <p:cNvPr id="3" name="Título 2">
-            <a:extLst>
-              <a:ext uri="{FF2B5EF4-FFF2-40B4-BE49-F238E27FC236}">
-                <a16:creationId xmlns:a16="http://schemas.microsoft.com/office/drawing/2014/main" id="{65E3DC0E-8B4D-103F-21EC-228C5FAF578B}"/>
-              </a:ext>
-            </a:extLst>
-          </p:cNvPr>
-          <p:cNvSpPr>
-            <a:spLocks noGrp="1"/>
-          </p:cNvSpPr>
-          <p:nvPr>
-            <p:ph type="title"/>
-          </p:nvPr>
-        </p:nvSpPr>
-        <p:spPr>
-          <a:xfrm>
-            <a:off x="1422400" y="558801"/>
-            <a:ext cx="7645399" cy="615950"/>
-          </a:xfrm>
-        </p:spPr>
-        <p:txBody>
-          <a:bodyPr>
-            <a:normAutofit fontScale="90000"/>
-          </a:bodyPr>
-          <a:lstStyle/>
-          <a:p>
-            <a:r>
-              <a:rPr lang="es-ES" dirty="0"/>
-              <a:t>DISEÑO E IMPLEMENTACIÓN</a:t>
-            </a:r>
-          </a:p>
-        </p:txBody>
-      </p:sp>
-      <p:sp>
-        <p:nvSpPr>
-          <p:cNvPr id="5" name="Subtítulo 4">
-            <a:extLst>
-              <a:ext uri="{FF2B5EF4-FFF2-40B4-BE49-F238E27FC236}">
-                <a16:creationId xmlns:a16="http://schemas.microsoft.com/office/drawing/2014/main" id="{FA169EDE-7B8D-251F-7863-5564C28B7B80}"/>
-              </a:ext>
-            </a:extLst>
-          </p:cNvPr>
-          <p:cNvSpPr>
-            <a:spLocks noGrp="1"/>
-          </p:cNvSpPr>
-          <p:nvPr>
-            <p:ph type="subTitle" idx="13"/>
-          </p:nvPr>
-        </p:nvSpPr>
-        <p:spPr/>
-        <p:txBody>
-          <a:bodyPr/>
-          <a:lstStyle/>
-          <a:p>
-            <a:r>
-              <a:rPr lang="es-ES" dirty="0"/>
-              <a:t>Arquitectura general</a:t>
-            </a:r>
-          </a:p>
-        </p:txBody>
-      </p:sp>
-      <p:sp>
-        <p:nvSpPr>
-          <p:cNvPr id="7" name="Marcador de texto 6">
-            <a:extLst>
-              <a:ext uri="{FF2B5EF4-FFF2-40B4-BE49-F238E27FC236}">
-                <a16:creationId xmlns:a16="http://schemas.microsoft.com/office/drawing/2014/main" id="{BE7D8322-F0E4-2E4B-3717-02143FA3D468}"/>
-              </a:ext>
-            </a:extLst>
-          </p:cNvPr>
-          <p:cNvSpPr>
-            <a:spLocks noGrp="1"/>
-          </p:cNvSpPr>
-          <p:nvPr>
-            <p:ph type="body" sz="quarter" idx="16"/>
-          </p:nvPr>
-        </p:nvSpPr>
-        <p:spPr>
-          <a:xfrm>
-            <a:off x="1422400" y="6408077"/>
-            <a:ext cx="5521862" cy="184666"/>
-          </a:xfrm>
-        </p:spPr>
-        <p:txBody>
-          <a:bodyPr/>
-          <a:lstStyle/>
-          <a:p>
-            <a:r>
-              <a:rPr lang="es-ES" dirty="0"/>
-              <a:t>ESCUELA DE INGENIERÍA DE FUENLABRADA</a:t>
-            </a:r>
-          </a:p>
-        </p:txBody>
-      </p:sp>
-      <p:pic>
-        <p:nvPicPr>
-          <p:cNvPr id="9" name="Imagen 8">
-            <a:extLst>
-              <a:ext uri="{FF2B5EF4-FFF2-40B4-BE49-F238E27FC236}">
-                <a16:creationId xmlns:a16="http://schemas.microsoft.com/office/drawing/2014/main" id="{6383DCD1-A2E4-3F8D-7451-1209EA2DA1D4}"/>
-              </a:ext>
-            </a:extLst>
-          </p:cNvPr>
-          <p:cNvPicPr>
-            <a:picLocks noChangeAspect="1"/>
-          </p:cNvPicPr>
-          <p:nvPr/>
-        </p:nvPicPr>
-        <p:blipFill>
-          <a:blip r:embed="rId2"/>
-          <a:stretch>
-            <a:fillRect/>
-          </a:stretch>
-        </p:blipFill>
-        <p:spPr>
-          <a:xfrm>
-            <a:off x="8788302" y="1529994"/>
-            <a:ext cx="2291429" cy="4769205"/>
-          </a:xfrm>
-          <a:prstGeom prst="rect">
-            <a:avLst/>
-          </a:prstGeom>
-        </p:spPr>
-      </p:pic>
-      <p:sp>
-        <p:nvSpPr>
-          <p:cNvPr id="10" name="CuadroTexto 9">
-            <a:extLst>
-              <a:ext uri="{FF2B5EF4-FFF2-40B4-BE49-F238E27FC236}">
-                <a16:creationId xmlns:a16="http://schemas.microsoft.com/office/drawing/2014/main" id="{BEB288A8-B37C-1CBD-6DF5-E234474C70DF}"/>
-              </a:ext>
-            </a:extLst>
-          </p:cNvPr>
-          <p:cNvSpPr txBox="1"/>
-          <p:nvPr/>
-        </p:nvSpPr>
-        <p:spPr>
-          <a:xfrm>
-            <a:off x="1422399" y="1859280"/>
-            <a:ext cx="7272021" cy="3463897"/>
-          </a:xfrm>
-          <a:prstGeom prst="rect">
-            <a:avLst/>
-          </a:prstGeom>
-          <a:noFill/>
-        </p:spPr>
-        <p:txBody>
-          <a:bodyPr wrap="square" rtlCol="0">
-            <a:spAutoFit/>
-          </a:bodyPr>
-          <a:lstStyle/>
-          <a:p>
-            <a:pPr marL="285750" indent="-285750">
-              <a:lnSpc>
-                <a:spcPct val="150000"/>
-              </a:lnSpc>
-              <a:buFont typeface="Arial" panose="020B0604020202020204" pitchFamily="34" charset="0"/>
-              <a:buChar char="•"/>
-            </a:pPr>
-            <a:r>
-              <a:rPr lang="es-ES" sz="1600" b="1" i="1" dirty="0" err="1"/>
-              <a:t>Gui</a:t>
-            </a:r>
-            <a:r>
-              <a:rPr lang="es-ES" sz="1600" b="1" i="1" dirty="0"/>
-              <a:t>: </a:t>
-            </a:r>
-            <a:r>
-              <a:rPr lang="es-ES" sz="1600" dirty="0"/>
-              <a:t>Ficheros que gestionan y contienen todos los componentes relacionados con la interfaz gráfica del usuario.</a:t>
-            </a:r>
-          </a:p>
-          <a:p>
-            <a:pPr marL="285750" indent="-285750">
-              <a:lnSpc>
-                <a:spcPct val="150000"/>
-              </a:lnSpc>
-              <a:buFont typeface="Arial" panose="020B0604020202020204" pitchFamily="34" charset="0"/>
-              <a:buChar char="•"/>
-            </a:pPr>
-            <a:r>
-              <a:rPr lang="es-ES" sz="1600" b="1" i="1" dirty="0"/>
-              <a:t>Gis: </a:t>
-            </a:r>
-            <a:r>
-              <a:rPr lang="es-ES" sz="1600" dirty="0"/>
-              <a:t>Contiene la lógica que gestiona las transformaciones geoespaciales.</a:t>
-            </a:r>
-          </a:p>
-          <a:p>
-            <a:pPr marL="285750" indent="-285750">
-              <a:lnSpc>
-                <a:spcPct val="150000"/>
-              </a:lnSpc>
-              <a:buFont typeface="Arial" panose="020B0604020202020204" pitchFamily="34" charset="0"/>
-              <a:buChar char="•"/>
-            </a:pPr>
-            <a:r>
-              <a:rPr lang="es-ES" sz="1600" b="1" i="1" dirty="0"/>
-              <a:t>Data: </a:t>
-            </a:r>
-            <a:r>
-              <a:rPr lang="es-ES" sz="1600" dirty="0"/>
-              <a:t>Ficheros que gestionan la lógica responsable de acceder a los datos y mantenerlos en memoria.</a:t>
-            </a:r>
-          </a:p>
-          <a:p>
-            <a:pPr marL="285750" indent="-285750">
-              <a:lnSpc>
-                <a:spcPct val="150000"/>
-              </a:lnSpc>
-              <a:buFont typeface="Arial" panose="020B0604020202020204" pitchFamily="34" charset="0"/>
-              <a:buChar char="•"/>
-            </a:pPr>
-            <a:r>
-              <a:rPr lang="es-ES" sz="1600" b="1" i="1" dirty="0" err="1"/>
-              <a:t>Map-ground</a:t>
-            </a:r>
-            <a:r>
-              <a:rPr lang="es-ES" sz="1600" b="1" i="1" dirty="0"/>
-              <a:t>: </a:t>
-            </a:r>
-            <a:r>
-              <a:rPr lang="es-ES" sz="1600" dirty="0"/>
-              <a:t>Ficheros responsables de cargar el suelo, los edificios y gestionar las alturas de las entidades.</a:t>
-            </a:r>
-          </a:p>
-          <a:p>
-            <a:pPr marL="285750" indent="-285750" algn="l">
-              <a:lnSpc>
-                <a:spcPct val="150000"/>
-              </a:lnSpc>
-              <a:buFont typeface="Arial" panose="020B0604020202020204" pitchFamily="34" charset="0"/>
-              <a:buChar char="•"/>
-            </a:pPr>
-            <a:r>
-              <a:rPr lang="es-ES" sz="1600" b="1" i="1" dirty="0" err="1"/>
-              <a:t>Configuration</a:t>
-            </a:r>
-            <a:r>
-              <a:rPr lang="es-ES" sz="1600" b="1" i="1" dirty="0"/>
-              <a:t>: </a:t>
-            </a:r>
-            <a:r>
-              <a:rPr lang="es-ES" sz="1800" b="0" i="0" u="none" strike="noStrike" baseline="0" dirty="0">
-                <a:latin typeface="NimbusRomNo9L-Regu"/>
-              </a:rPr>
-              <a:t>Ficheros responsables de precargar la configuración del escenario y parametrizar la aplicación.</a:t>
-            </a:r>
-            <a:endParaRPr lang="es-ES" sz="1600" b="1" i="1" dirty="0"/>
-          </a:p>
-        </p:txBody>
-      </p:sp>
-    </p:spTree>
-    <p:extLst>
-      <p:ext uri="{BB962C8B-B14F-4D97-AF65-F5344CB8AC3E}">
-        <p14:creationId xmlns:p14="http://schemas.microsoft.com/office/powerpoint/2010/main" val="3045394045"/>
-      </p:ext>
-    </p:extLst>
-  </p:cSld>
-  <p:clrMapOvr>
-    <a:masterClrMapping/>
-  </p:clrMapOvr>
 </p:sld>
 </file>
 
@@ -19355,7 +19667,7 @@
                             </p:stCondLst>
                             <p:childTnLst>
                               <p:par>
-                                <p:cTn id="5" presetID="1" presetClass="entr" presetSubtype="0" fill="hold" nodeType="clickEffect">
+                                <p:cTn id="5" presetID="1" presetClass="entr" presetSubtype="0" fill="hold" grpId="0" nodeType="clickEffect">
                                   <p:stCondLst>
                                     <p:cond delay="0"/>
                                   </p:stCondLst>
@@ -19368,7 +19680,207 @@
                                           </p:stCondLst>
                                         </p:cTn>
                                         <p:tgtEl>
-                                          <p:spTgt spid="2"/>
+                                          <p:spTgt spid="9">
+                                            <p:txEl>
+                                              <p:pRg st="0" end="0"/>
+                                            </p:txEl>
+                                          </p:spTgt>
+                                        </p:tgtEl>
+                                        <p:attrNameLst>
+                                          <p:attrName>style.visibility</p:attrName>
+                                        </p:attrNameLst>
+                                      </p:cBhvr>
+                                      <p:to>
+                                        <p:strVal val="visible"/>
+                                      </p:to>
+                                    </p:set>
+                                  </p:childTnLst>
+                                </p:cTn>
+                              </p:par>
+                            </p:childTnLst>
+                          </p:cTn>
+                        </p:par>
+                      </p:childTnLst>
+                    </p:cTn>
+                  </p:par>
+                  <p:par>
+                    <p:cTn id="7" fill="hold">
+                      <p:stCondLst>
+                        <p:cond delay="indefinite"/>
+                      </p:stCondLst>
+                      <p:childTnLst>
+                        <p:par>
+                          <p:cTn id="8" fill="hold">
+                            <p:stCondLst>
+                              <p:cond delay="0"/>
+                            </p:stCondLst>
+                            <p:childTnLst>
+                              <p:par>
+                                <p:cTn id="9" presetID="1" presetClass="entr" presetSubtype="0" fill="hold" grpId="0" nodeType="clickEffect">
+                                  <p:stCondLst>
+                                    <p:cond delay="0"/>
+                                  </p:stCondLst>
+                                  <p:childTnLst>
+                                    <p:set>
+                                      <p:cBhvr>
+                                        <p:cTn id="10" dur="1" fill="hold">
+                                          <p:stCondLst>
+                                            <p:cond delay="0"/>
+                                          </p:stCondLst>
+                                        </p:cTn>
+                                        <p:tgtEl>
+                                          <p:spTgt spid="9">
+                                            <p:txEl>
+                                              <p:pRg st="2" end="2"/>
+                                            </p:txEl>
+                                          </p:spTgt>
+                                        </p:tgtEl>
+                                        <p:attrNameLst>
+                                          <p:attrName>style.visibility</p:attrName>
+                                        </p:attrNameLst>
+                                      </p:cBhvr>
+                                      <p:to>
+                                        <p:strVal val="visible"/>
+                                      </p:to>
+                                    </p:set>
+                                  </p:childTnLst>
+                                </p:cTn>
+                              </p:par>
+                            </p:childTnLst>
+                          </p:cTn>
+                        </p:par>
+                      </p:childTnLst>
+                    </p:cTn>
+                  </p:par>
+                  <p:par>
+                    <p:cTn id="11" fill="hold">
+                      <p:stCondLst>
+                        <p:cond delay="indefinite"/>
+                      </p:stCondLst>
+                      <p:childTnLst>
+                        <p:par>
+                          <p:cTn id="12" fill="hold">
+                            <p:stCondLst>
+                              <p:cond delay="0"/>
+                            </p:stCondLst>
+                            <p:childTnLst>
+                              <p:par>
+                                <p:cTn id="13" presetID="1" presetClass="entr" presetSubtype="0" fill="hold" grpId="0" nodeType="clickEffect">
+                                  <p:stCondLst>
+                                    <p:cond delay="0"/>
+                                  </p:stCondLst>
+                                  <p:childTnLst>
+                                    <p:set>
+                                      <p:cBhvr>
+                                        <p:cTn id="14" dur="1" fill="hold">
+                                          <p:stCondLst>
+                                            <p:cond delay="0"/>
+                                          </p:stCondLst>
+                                        </p:cTn>
+                                        <p:tgtEl>
+                                          <p:spTgt spid="9">
+                                            <p:txEl>
+                                              <p:pRg st="3" end="3"/>
+                                            </p:txEl>
+                                          </p:spTgt>
+                                        </p:tgtEl>
+                                        <p:attrNameLst>
+                                          <p:attrName>style.visibility</p:attrName>
+                                        </p:attrNameLst>
+                                      </p:cBhvr>
+                                      <p:to>
+                                        <p:strVal val="visible"/>
+                                      </p:to>
+                                    </p:set>
+                                  </p:childTnLst>
+                                </p:cTn>
+                              </p:par>
+                            </p:childTnLst>
+                          </p:cTn>
+                        </p:par>
+                      </p:childTnLst>
+                    </p:cTn>
+                  </p:par>
+                  <p:par>
+                    <p:cTn id="15" fill="hold">
+                      <p:stCondLst>
+                        <p:cond delay="indefinite"/>
+                      </p:stCondLst>
+                      <p:childTnLst>
+                        <p:par>
+                          <p:cTn id="16" fill="hold">
+                            <p:stCondLst>
+                              <p:cond delay="0"/>
+                            </p:stCondLst>
+                            <p:childTnLst>
+                              <p:par>
+                                <p:cTn id="17" presetID="1" presetClass="entr" presetSubtype="0" fill="hold" grpId="0" nodeType="clickEffect">
+                                  <p:stCondLst>
+                                    <p:cond delay="0"/>
+                                  </p:stCondLst>
+                                  <p:childTnLst>
+                                    <p:set>
+                                      <p:cBhvr>
+                                        <p:cTn id="18" dur="1" fill="hold">
+                                          <p:stCondLst>
+                                            <p:cond delay="0"/>
+                                          </p:stCondLst>
+                                        </p:cTn>
+                                        <p:tgtEl>
+                                          <p:spTgt spid="9">
+                                            <p:txEl>
+                                              <p:pRg st="4" end="4"/>
+                                            </p:txEl>
+                                          </p:spTgt>
+                                        </p:tgtEl>
+                                        <p:attrNameLst>
+                                          <p:attrName>style.visibility</p:attrName>
+                                        </p:attrNameLst>
+                                      </p:cBhvr>
+                                      <p:to>
+                                        <p:strVal val="visible"/>
+                                      </p:to>
+                                    </p:set>
+                                  </p:childTnLst>
+                                </p:cTn>
+                              </p:par>
+                            </p:childTnLst>
+                          </p:cTn>
+                        </p:par>
+                      </p:childTnLst>
+                    </p:cTn>
+                  </p:par>
+                  <p:par>
+                    <p:cTn id="19" fill="hold">
+                      <p:stCondLst>
+                        <p:cond delay="indefinite"/>
+                      </p:stCondLst>
+                      <p:childTnLst>
+                        <p:par>
+                          <p:cTn id="20" fill="hold">
+                            <p:stCondLst>
+                              <p:cond delay="0"/>
+                            </p:stCondLst>
+                            <p:childTnLst>
+                              <p:par>
+                                <p:cTn id="21" presetID="1" presetClass="entr" presetSubtype="0" fill="hold" grpId="0" nodeType="clickEffect">
+                                  <p:stCondLst>
+                                    <p:cond delay="0"/>
+                                  </p:stCondLst>
+                                  <p:childTnLst>
+                                    <p:set>
+                                      <p:cBhvr>
+                                        <p:cTn id="22" dur="1" fill="hold">
+                                          <p:stCondLst>
+                                            <p:cond delay="0"/>
+                                          </p:stCondLst>
+                                        </p:cTn>
+                                        <p:tgtEl>
+                                          <p:spTgt spid="9">
+                                            <p:txEl>
+                                              <p:pRg st="5" end="5"/>
+                                            </p:txEl>
+                                          </p:spTgt>
                                         </p:tgtEl>
                                         <p:attrNameLst>
                                           <p:attrName>style.visibility</p:attrName>
@@ -19408,6 +19920,9 @@
         </p:cTn>
       </p:par>
     </p:tnLst>
+    <p:bldLst>
+      <p:bldP spid="9" grpId="0" build="p"/>
+    </p:bldLst>
   </p:timing>
 </p:sld>
 </file>
@@ -19562,81 +20077,6 @@
   <p:clrMapOvr>
     <a:masterClrMapping/>
   </p:clrMapOvr>
-  <p:timing>
-    <p:tnLst>
-      <p:par>
-        <p:cTn id="1" dur="indefinite" restart="never" nodeType="tmRoot">
-          <p:childTnLst>
-            <p:seq concurrent="1" nextAc="seek">
-              <p:cTn id="2" dur="indefinite" nodeType="mainSeq">
-                <p:childTnLst>
-                  <p:par>
-                    <p:cTn id="3" fill="hold">
-                      <p:stCondLst>
-                        <p:cond delay="indefinite"/>
-                      </p:stCondLst>
-                      <p:childTnLst>
-                        <p:par>
-                          <p:cTn id="4" fill="hold">
-                            <p:stCondLst>
-                              <p:cond delay="0"/>
-                            </p:stCondLst>
-                            <p:childTnLst>
-                              <p:par>
-                                <p:cTn id="5" presetID="1" presetClass="entr" presetSubtype="0" fill="hold" nodeType="clickEffect">
-                                  <p:stCondLst>
-                                    <p:cond delay="0"/>
-                                  </p:stCondLst>
-                                  <p:childTnLst>
-                                    <p:set>
-                                      <p:cBhvr>
-                                        <p:cTn id="6" dur="1" fill="hold">
-                                          <p:stCondLst>
-                                            <p:cond delay="0"/>
-                                          </p:stCondLst>
-                                        </p:cTn>
-                                        <p:tgtEl>
-                                          <p:spTgt spid="2"/>
-                                        </p:tgtEl>
-                                        <p:attrNameLst>
-                                          <p:attrName>style.visibility</p:attrName>
-                                        </p:attrNameLst>
-                                      </p:cBhvr>
-                                      <p:to>
-                                        <p:strVal val="visible"/>
-                                      </p:to>
-                                    </p:set>
-                                  </p:childTnLst>
-                                </p:cTn>
-                              </p:par>
-                            </p:childTnLst>
-                          </p:cTn>
-                        </p:par>
-                      </p:childTnLst>
-                    </p:cTn>
-                  </p:par>
-                </p:childTnLst>
-              </p:cTn>
-              <p:prevCondLst>
-                <p:cond evt="onPrev" delay="0">
-                  <p:tgtEl>
-                    <p:sldTgt/>
-                  </p:tgtEl>
-                </p:cond>
-              </p:prevCondLst>
-              <p:nextCondLst>
-                <p:cond evt="onNext" delay="0">
-                  <p:tgtEl>
-                    <p:sldTgt/>
-                  </p:tgtEl>
-                </p:cond>
-              </p:nextCondLst>
-            </p:seq>
-          </p:childTnLst>
-        </p:cTn>
-      </p:par>
-    </p:tnLst>
-  </p:timing>
 </p:sld>
 </file>
 
